--- a/Phidiax_GABC_2019_JeffStagg.pptx
+++ b/Phidiax_GABC_2019_JeffStagg.pptx
@@ -4729,8 +4729,13 @@
             <a:pPr lvl="1"/>
             <a:r>
               <a:rPr lang="en-US" dirty="0"/>
-              <a:t>SAS Token</a:t>
-            </a:r>
+              <a:t>SAS Token (Blob account &gt; Settings &gt; Shared Access Signature </a:t>
+            </a:r>
+            <a:r>
+              <a:rPr lang="en-US"/>
+              <a:t>&gt; Generate)</a:t>
+            </a:r>
+            <a:endParaRPr lang="en-US" dirty="0"/>
           </a:p>
           <a:p>
             <a:pPr lvl="1"/>
@@ -7107,6 +7112,12 @@
 </file>
 
 <file path=customXml/item2.xml><?xml version="1.0" encoding="utf-8"?>
+<p:properties xmlns:p="http://schemas.microsoft.com/office/2006/metadata/properties" xmlns:xsi="http://www.w3.org/2001/XMLSchema-instance" xmlns:pc="http://schemas.microsoft.com/office/infopath/2007/PartnerControls">
+  <documentManagement/>
+</p:properties>
+</file>
+
+<file path=customXml/item3.xml><?xml version="1.0" encoding="utf-8"?>
 <ct:contentTypeSchema xmlns:ct="http://schemas.microsoft.com/office/2006/metadata/contentType" xmlns:ma="http://schemas.microsoft.com/office/2006/metadata/properties/metaAttributes" ct:_="" ma:_="" ma:contentTypeName="Document" ma:contentTypeID="0x01010008A3249F86D173498A7602E13B136FB9" ma:contentTypeVersion="5" ma:contentTypeDescription="Create a new document." ma:contentTypeScope="" ma:versionID="25915fd6aa0ca11efd72407100b24495">
   <xsd:schema xmlns:xsd="http://www.w3.org/2001/XMLSchema" xmlns:xs="http://www.w3.org/2001/XMLSchema" xmlns:p="http://schemas.microsoft.com/office/2006/metadata/properties" xmlns:ns2="11c22555-d185-4e3e-9000-0876c0261088" xmlns:ns3="90a05daa-df97-4789-807a-dd85e6af76cd" xmlns:ns4="2c7ae087-b7be-4318-adf3-ab303c60d6de" targetNamespace="http://schemas.microsoft.com/office/2006/metadata/properties" ma:root="true" ma:fieldsID="2a2cdb13a0309e3124f3af5d4105b582" ns2:_="" ns3:_="" ns4:_="">
     <xsd:import namespace="11c22555-d185-4e3e-9000-0876c0261088"/>
@@ -7282,12 +7293,6 @@
 </ct:contentTypeSchema>
 </file>
 
-<file path=customXml/item3.xml><?xml version="1.0" encoding="utf-8"?>
-<p:properties xmlns:p="http://schemas.microsoft.com/office/2006/metadata/properties" xmlns:xsi="http://www.w3.org/2001/XMLSchema-instance" xmlns:pc="http://schemas.microsoft.com/office/infopath/2007/PartnerControls">
-  <documentManagement/>
-</p:properties>
-</file>
-
 <file path=customXml/itemProps1.xml><?xml version="1.0" encoding="utf-8"?>
 <ds:datastoreItem xmlns:ds="http://schemas.openxmlformats.org/officeDocument/2006/customXml" ds:itemID="{07485E43-38F8-44D5-86C5-802FB363034E}">
   <ds:schemaRefs>
@@ -7297,6 +7302,24 @@
 </file>
 
 <file path=customXml/itemProps2.xml><?xml version="1.0" encoding="utf-8"?>
+<ds:datastoreItem xmlns:ds="http://schemas.openxmlformats.org/officeDocument/2006/customXml" ds:itemID="{8A7DBCFF-DDCC-4E9B-9E7A-EF469DAC8906}">
+  <ds:schemaRefs>
+    <ds:schemaRef ds:uri="11c22555-d185-4e3e-9000-0876c0261088"/>
+    <ds:schemaRef ds:uri="http://purl.org/dc/elements/1.1/"/>
+    <ds:schemaRef ds:uri="http://schemas.microsoft.com/office/2006/metadata/properties"/>
+    <ds:schemaRef ds:uri="2c7ae087-b7be-4318-adf3-ab303c60d6de"/>
+    <ds:schemaRef ds:uri="90a05daa-df97-4789-807a-dd85e6af76cd"/>
+    <ds:schemaRef ds:uri="http://purl.org/dc/terms/"/>
+    <ds:schemaRef ds:uri="http://schemas.openxmlformats.org/package/2006/metadata/core-properties"/>
+    <ds:schemaRef ds:uri="http://purl.org/dc/dcmitype/"/>
+    <ds:schemaRef ds:uri="http://schemas.microsoft.com/office/infopath/2007/PartnerControls"/>
+    <ds:schemaRef ds:uri="http://schemas.microsoft.com/office/2006/documentManagement/types"/>
+    <ds:schemaRef ds:uri="http://www.w3.org/XML/1998/namespace"/>
+  </ds:schemaRefs>
+</ds:datastoreItem>
+</file>
+
+<file path=customXml/itemProps3.xml><?xml version="1.0" encoding="utf-8"?>
 <ds:datastoreItem xmlns:ds="http://schemas.openxmlformats.org/officeDocument/2006/customXml" ds:itemID="{F18222A0-6754-4D63-B083-885C86347C7F}">
   <ds:schemaRefs>
     <ds:schemaRef ds:uri="http://schemas.microsoft.com/office/2006/metadata/contentType"/>
@@ -7314,22 +7337,4 @@
     <ds:schemaRef ds:uri="http://schemas.microsoft.com/internal/obd"/>
   </ds:schemaRefs>
 </ds:datastoreItem>
-</file>
-
-<file path=customXml/itemProps3.xml><?xml version="1.0" encoding="utf-8"?>
-<ds:datastoreItem xmlns:ds="http://schemas.openxmlformats.org/officeDocument/2006/customXml" ds:itemID="{8A7DBCFF-DDCC-4E9B-9E7A-EF469DAC8906}">
-  <ds:schemaRefs>
-    <ds:schemaRef ds:uri="11c22555-d185-4e3e-9000-0876c0261088"/>
-    <ds:schemaRef ds:uri="http://purl.org/dc/elements/1.1/"/>
-    <ds:schemaRef ds:uri="http://schemas.microsoft.com/office/2006/metadata/properties"/>
-    <ds:schemaRef ds:uri="2c7ae087-b7be-4318-adf3-ab303c60d6de"/>
-    <ds:schemaRef ds:uri="90a05daa-df97-4789-807a-dd85e6af76cd"/>
-    <ds:schemaRef ds:uri="http://purl.org/dc/terms/"/>
-    <ds:schemaRef ds:uri="http://schemas.openxmlformats.org/package/2006/metadata/core-properties"/>
-    <ds:schemaRef ds:uri="http://purl.org/dc/dcmitype/"/>
-    <ds:schemaRef ds:uri="http://schemas.microsoft.com/office/infopath/2007/PartnerControls"/>
-    <ds:schemaRef ds:uri="http://schemas.microsoft.com/office/2006/documentManagement/types"/>
-    <ds:schemaRef ds:uri="http://www.w3.org/XML/1998/namespace"/>
-  </ds:schemaRefs>
-</ds:datastoreItem>
 </file>